--- a/icons/internal/icon/icon.pptx
+++ b/icons/internal/icon/icon.pptx
@@ -2,7 +2,7 @@
 <file path=ppt/presentation.xml><?xml version="1.0" encoding="utf-8"?>
 <p:presentation xmlns:a="http://schemas.openxmlformats.org/drawingml/2006/main" xmlns:r="http://schemas.openxmlformats.org/officeDocument/2006/relationships" xmlns:p="http://schemas.openxmlformats.org/presentationml/2006/main" saveSubsetFonts="1">
   <p:sldMasterIdLst>
-    <p:sldMasterId id="2147483660" r:id="rId1"/>
+    <p:sldMasterId id="2147483648" r:id="rId1"/>
   </p:sldMasterIdLst>
   <p:sldIdLst>
     <p:sldId id="256" r:id="rId2"/>
@@ -106,7 +106,18 @@
   </p:defaultTextStyle>
   <p:extLst>
     <p:ext uri="{EFAFB233-063F-42B5-8137-9DF3F51BA10A}">
-      <p15:sldGuideLst xmlns:p15="http://schemas.microsoft.com/office/powerpoint/2012/main"/>
+      <p15:sldGuideLst xmlns:p15="http://schemas.microsoft.com/office/powerpoint/2012/main">
+        <p15:guide id="1" orient="horz" pos="2880">
+          <p15:clr>
+            <a:srgbClr val="A4A3A4"/>
+          </p15:clr>
+        </p15:guide>
+        <p15:guide id="2" pos="2880">
+          <p15:clr>
+            <a:srgbClr val="A4A3A4"/>
+          </p15:clr>
+        </p15:guide>
+      </p15:sldGuideLst>
     </p:ext>
   </p:extLst>
 </p:presentation>
@@ -141,23 +152,19 @@
         </p:nvSpPr>
         <p:spPr>
           <a:xfrm>
-            <a:off x="685800" y="1496484"/>
-            <a:ext cx="7772400" cy="3183467"/>
+            <a:off x="685800" y="2840568"/>
+            <a:ext cx="7772400" cy="1960033"/>
           </a:xfrm>
         </p:spPr>
         <p:txBody>
-          <a:bodyPr anchor="b"/>
-          <a:lstStyle>
-            <a:lvl1pPr algn="ctr">
-              <a:defRPr sz="6000"/>
-            </a:lvl1pPr>
-          </a:lstStyle>
+          <a:bodyPr/>
+          <a:lstStyle/>
           <a:p>
             <a:r>
               <a:rPr lang="en-US" smtClean="0"/>
               <a:t>Click to edit Master title style</a:t>
             </a:r>
-            <a:endParaRPr lang="en-US" dirty="0"/>
+            <a:endParaRPr lang="en-US"/>
           </a:p>
         </p:txBody>
       </p:sp>
@@ -173,8 +180,8 @@
         </p:nvSpPr>
         <p:spPr>
           <a:xfrm>
-            <a:off x="1143000" y="4802717"/>
-            <a:ext cx="6858000" cy="2207683"/>
+            <a:off x="1371600" y="5181600"/>
+            <a:ext cx="6400800" cy="2336800"/>
           </a:xfrm>
         </p:spPr>
         <p:txBody>
@@ -182,39 +189,93 @@
           <a:lstStyle>
             <a:lvl1pPr marL="0" indent="0" algn="ctr">
               <a:buNone/>
-              <a:defRPr sz="2400"/>
+              <a:defRPr>
+                <a:solidFill>
+                  <a:schemeClr val="tx1">
+                    <a:tint val="75000"/>
+                  </a:schemeClr>
+                </a:solidFill>
+              </a:defRPr>
             </a:lvl1pPr>
             <a:lvl2pPr marL="457200" indent="0" algn="ctr">
               <a:buNone/>
-              <a:defRPr sz="2000"/>
+              <a:defRPr>
+                <a:solidFill>
+                  <a:schemeClr val="tx1">
+                    <a:tint val="75000"/>
+                  </a:schemeClr>
+                </a:solidFill>
+              </a:defRPr>
             </a:lvl2pPr>
             <a:lvl3pPr marL="914400" indent="0" algn="ctr">
               <a:buNone/>
-              <a:defRPr sz="1800"/>
+              <a:defRPr>
+                <a:solidFill>
+                  <a:schemeClr val="tx1">
+                    <a:tint val="75000"/>
+                  </a:schemeClr>
+                </a:solidFill>
+              </a:defRPr>
             </a:lvl3pPr>
             <a:lvl4pPr marL="1371600" indent="0" algn="ctr">
               <a:buNone/>
-              <a:defRPr sz="1600"/>
+              <a:defRPr>
+                <a:solidFill>
+                  <a:schemeClr val="tx1">
+                    <a:tint val="75000"/>
+                  </a:schemeClr>
+                </a:solidFill>
+              </a:defRPr>
             </a:lvl4pPr>
             <a:lvl5pPr marL="1828800" indent="0" algn="ctr">
               <a:buNone/>
-              <a:defRPr sz="1600"/>
+              <a:defRPr>
+                <a:solidFill>
+                  <a:schemeClr val="tx1">
+                    <a:tint val="75000"/>
+                  </a:schemeClr>
+                </a:solidFill>
+              </a:defRPr>
             </a:lvl5pPr>
             <a:lvl6pPr marL="2286000" indent="0" algn="ctr">
               <a:buNone/>
-              <a:defRPr sz="1600"/>
+              <a:defRPr>
+                <a:solidFill>
+                  <a:schemeClr val="tx1">
+                    <a:tint val="75000"/>
+                  </a:schemeClr>
+                </a:solidFill>
+              </a:defRPr>
             </a:lvl6pPr>
             <a:lvl7pPr marL="2743200" indent="0" algn="ctr">
               <a:buNone/>
-              <a:defRPr sz="1600"/>
+              <a:defRPr>
+                <a:solidFill>
+                  <a:schemeClr val="tx1">
+                    <a:tint val="75000"/>
+                  </a:schemeClr>
+                </a:solidFill>
+              </a:defRPr>
             </a:lvl7pPr>
             <a:lvl8pPr marL="3200400" indent="0" algn="ctr">
               <a:buNone/>
-              <a:defRPr sz="1600"/>
+              <a:defRPr>
+                <a:solidFill>
+                  <a:schemeClr val="tx1">
+                    <a:tint val="75000"/>
+                  </a:schemeClr>
+                </a:solidFill>
+              </a:defRPr>
             </a:lvl8pPr>
             <a:lvl9pPr marL="3657600" indent="0" algn="ctr">
               <a:buNone/>
-              <a:defRPr sz="1600"/>
+              <a:defRPr>
+                <a:solidFill>
+                  <a:schemeClr val="tx1">
+                    <a:tint val="75000"/>
+                  </a:schemeClr>
+                </a:solidFill>
+              </a:defRPr>
             </a:lvl9pPr>
           </a:lstStyle>
           <a:p>
@@ -222,7 +283,7 @@
               <a:rPr lang="en-US" smtClean="0"/>
               <a:t>Click to edit Master subtitle style</a:t>
             </a:r>
-            <a:endParaRPr lang="en-US" dirty="0"/>
+            <a:endParaRPr lang="en-US"/>
           </a:p>
         </p:txBody>
       </p:sp>
@@ -241,9 +302,10 @@
           <a:bodyPr/>
           <a:lstStyle/>
           <a:p>
-            <a:fld id="{C5982FF3-AEC2-44F4-9AB6-41CB130DEE0B}" type="datetimeFigureOut">
-              <a:rPr lang="en-US" smtClean="0"/>
-              <a:t>6/16/2014</a:t>
+            <a:fld id="{1D8BD707-D9CF-40AE-B4C6-C98DA3205C09}" type="datetimeFigureOut">
+              <a:rPr lang="en-US" smtClean="0"/>
+              <a:pPr/>
+              <a:t>6/17/2014</a:t>
             </a:fld>
             <a:endParaRPr lang="en-US"/>
           </a:p>
@@ -283,8 +345,9 @@
           <a:bodyPr/>
           <a:lstStyle/>
           <a:p>
-            <a:fld id="{3FCBF118-8E8A-41EF-8E2C-5C2C96E70497}" type="slidenum">
-              <a:rPr lang="en-US" smtClean="0"/>
+            <a:fld id="{B6F15528-21DE-4FAA-801E-634DDDAF4B2B}" type="slidenum">
+              <a:rPr lang="en-US" smtClean="0"/>
+              <a:pPr/>
               <a:t>‹#›</a:t>
             </a:fld>
             <a:endParaRPr lang="en-US"/>
@@ -292,11 +355,6 @@
         </p:txBody>
       </p:sp>
     </p:spTree>
-    <p:extLst>
-      <p:ext uri="{BB962C8B-B14F-4D97-AF65-F5344CB8AC3E}">
-        <p14:creationId xmlns:p14="http://schemas.microsoft.com/office/powerpoint/2010/main" val="1162283364"/>
-      </p:ext>
-    </p:extLst>
   </p:cSld>
   <p:clrMapOvr>
     <a:masterClrMapping/>
@@ -340,7 +398,7 @@
               <a:rPr lang="en-US" smtClean="0"/>
               <a:t>Click to edit Master title style</a:t>
             </a:r>
-            <a:endParaRPr lang="en-US" dirty="0"/>
+            <a:endParaRPr lang="en-US"/>
           </a:p>
         </p:txBody>
       </p:sp>
@@ -392,7 +450,7 @@
               <a:rPr lang="en-US" smtClean="0"/>
               <a:t>Fifth level</a:t>
             </a:r>
-            <a:endParaRPr lang="en-US" dirty="0"/>
+            <a:endParaRPr lang="en-US"/>
           </a:p>
         </p:txBody>
       </p:sp>
@@ -411,9 +469,10 @@
           <a:bodyPr/>
           <a:lstStyle/>
           <a:p>
-            <a:fld id="{C5982FF3-AEC2-44F4-9AB6-41CB130DEE0B}" type="datetimeFigureOut">
-              <a:rPr lang="en-US" smtClean="0"/>
-              <a:t>6/16/2014</a:t>
+            <a:fld id="{1D8BD707-D9CF-40AE-B4C6-C98DA3205C09}" type="datetimeFigureOut">
+              <a:rPr lang="en-US" smtClean="0"/>
+              <a:pPr/>
+              <a:t>6/17/2014</a:t>
             </a:fld>
             <a:endParaRPr lang="en-US"/>
           </a:p>
@@ -453,8 +512,9 @@
           <a:bodyPr/>
           <a:lstStyle/>
           <a:p>
-            <a:fld id="{3FCBF118-8E8A-41EF-8E2C-5C2C96E70497}" type="slidenum">
-              <a:rPr lang="en-US" smtClean="0"/>
+            <a:fld id="{B6F15528-21DE-4FAA-801E-634DDDAF4B2B}" type="slidenum">
+              <a:rPr lang="en-US" smtClean="0"/>
+              <a:pPr/>
               <a:t>‹#›</a:t>
             </a:fld>
             <a:endParaRPr lang="en-US"/>
@@ -462,11 +522,6 @@
         </p:txBody>
       </p:sp>
     </p:spTree>
-    <p:extLst>
-      <p:ext uri="{BB962C8B-B14F-4D97-AF65-F5344CB8AC3E}">
-        <p14:creationId xmlns:p14="http://schemas.microsoft.com/office/powerpoint/2010/main" val="3940220680"/>
-      </p:ext>
-    </p:extLst>
   </p:cSld>
   <p:clrMapOvr>
     <a:masterClrMapping/>
@@ -503,8 +558,8 @@
         </p:nvSpPr>
         <p:spPr>
           <a:xfrm>
-            <a:off x="6543676" y="486834"/>
-            <a:ext cx="1971675" cy="7749117"/>
+            <a:off x="6629400" y="366185"/>
+            <a:ext cx="2057400" cy="7802033"/>
           </a:xfrm>
         </p:spPr>
         <p:txBody>
@@ -515,7 +570,7 @@
               <a:rPr lang="en-US" smtClean="0"/>
               <a:t>Click to edit Master title style</a:t>
             </a:r>
-            <a:endParaRPr lang="en-US" dirty="0"/>
+            <a:endParaRPr lang="en-US"/>
           </a:p>
         </p:txBody>
       </p:sp>
@@ -531,8 +586,8 @@
         </p:nvSpPr>
         <p:spPr>
           <a:xfrm>
-            <a:off x="628651" y="486834"/>
-            <a:ext cx="5800725" cy="7749117"/>
+            <a:off x="457200" y="366185"/>
+            <a:ext cx="6019800" cy="7802033"/>
           </a:xfrm>
         </p:spPr>
         <p:txBody>
@@ -572,7 +627,7 @@
               <a:rPr lang="en-US" smtClean="0"/>
               <a:t>Fifth level</a:t>
             </a:r>
-            <a:endParaRPr lang="en-US" dirty="0"/>
+            <a:endParaRPr lang="en-US"/>
           </a:p>
         </p:txBody>
       </p:sp>
@@ -591,9 +646,10 @@
           <a:bodyPr/>
           <a:lstStyle/>
           <a:p>
-            <a:fld id="{C5982FF3-AEC2-44F4-9AB6-41CB130DEE0B}" type="datetimeFigureOut">
-              <a:rPr lang="en-US" smtClean="0"/>
-              <a:t>6/16/2014</a:t>
+            <a:fld id="{1D8BD707-D9CF-40AE-B4C6-C98DA3205C09}" type="datetimeFigureOut">
+              <a:rPr lang="en-US" smtClean="0"/>
+              <a:pPr/>
+              <a:t>6/17/2014</a:t>
             </a:fld>
             <a:endParaRPr lang="en-US"/>
           </a:p>
@@ -633,8 +689,9 @@
           <a:bodyPr/>
           <a:lstStyle/>
           <a:p>
-            <a:fld id="{3FCBF118-8E8A-41EF-8E2C-5C2C96E70497}" type="slidenum">
-              <a:rPr lang="en-US" smtClean="0"/>
+            <a:fld id="{B6F15528-21DE-4FAA-801E-634DDDAF4B2B}" type="slidenum">
+              <a:rPr lang="en-US" smtClean="0"/>
+              <a:pPr/>
               <a:t>‹#›</a:t>
             </a:fld>
             <a:endParaRPr lang="en-US"/>
@@ -642,11 +699,6 @@
         </p:txBody>
       </p:sp>
     </p:spTree>
-    <p:extLst>
-      <p:ext uri="{BB962C8B-B14F-4D97-AF65-F5344CB8AC3E}">
-        <p14:creationId xmlns:p14="http://schemas.microsoft.com/office/powerpoint/2010/main" val="1794488891"/>
-      </p:ext>
-    </p:extLst>
   </p:cSld>
   <p:clrMapOvr>
     <a:masterClrMapping/>
@@ -690,7 +742,7 @@
               <a:rPr lang="en-US" smtClean="0"/>
               <a:t>Click to edit Master title style</a:t>
             </a:r>
-            <a:endParaRPr lang="en-US" dirty="0"/>
+            <a:endParaRPr lang="en-US"/>
           </a:p>
         </p:txBody>
       </p:sp>
@@ -742,7 +794,7 @@
               <a:rPr lang="en-US" smtClean="0"/>
               <a:t>Fifth level</a:t>
             </a:r>
-            <a:endParaRPr lang="en-US" dirty="0"/>
+            <a:endParaRPr lang="en-US"/>
           </a:p>
         </p:txBody>
       </p:sp>
@@ -761,9 +813,10 @@
           <a:bodyPr/>
           <a:lstStyle/>
           <a:p>
-            <a:fld id="{C5982FF3-AEC2-44F4-9AB6-41CB130DEE0B}" type="datetimeFigureOut">
-              <a:rPr lang="en-US" smtClean="0"/>
-              <a:t>6/16/2014</a:t>
+            <a:fld id="{1D8BD707-D9CF-40AE-B4C6-C98DA3205C09}" type="datetimeFigureOut">
+              <a:rPr lang="en-US" smtClean="0"/>
+              <a:pPr/>
+              <a:t>6/17/2014</a:t>
             </a:fld>
             <a:endParaRPr lang="en-US"/>
           </a:p>
@@ -803,8 +856,9 @@
           <a:bodyPr/>
           <a:lstStyle/>
           <a:p>
-            <a:fld id="{3FCBF118-8E8A-41EF-8E2C-5C2C96E70497}" type="slidenum">
-              <a:rPr lang="en-US" smtClean="0"/>
+            <a:fld id="{B6F15528-21DE-4FAA-801E-634DDDAF4B2B}" type="slidenum">
+              <a:rPr lang="en-US" smtClean="0"/>
+              <a:pPr/>
               <a:t>‹#›</a:t>
             </a:fld>
             <a:endParaRPr lang="en-US"/>
@@ -812,11 +866,6 @@
         </p:txBody>
       </p:sp>
     </p:spTree>
-    <p:extLst>
-      <p:ext uri="{BB962C8B-B14F-4D97-AF65-F5344CB8AC3E}">
-        <p14:creationId xmlns:p14="http://schemas.microsoft.com/office/powerpoint/2010/main" val="3375958047"/>
-      </p:ext>
-    </p:extLst>
   </p:cSld>
   <p:clrMapOvr>
     <a:masterClrMapping/>
@@ -853,56 +902,58 @@
         </p:nvSpPr>
         <p:spPr>
           <a:xfrm>
-            <a:off x="623888" y="2279653"/>
-            <a:ext cx="7886700" cy="3803649"/>
+            <a:off x="722313" y="5875867"/>
+            <a:ext cx="7772400" cy="1816100"/>
           </a:xfrm>
         </p:spPr>
         <p:txBody>
+          <a:bodyPr anchor="t"/>
+          <a:lstStyle>
+            <a:lvl1pPr algn="l">
+              <a:defRPr sz="4000" b="1" cap="all"/>
+            </a:lvl1pPr>
+          </a:lstStyle>
+          <a:p>
+            <a:r>
+              <a:rPr lang="en-US" smtClean="0"/>
+              <a:t>Click to edit Master title style</a:t>
+            </a:r>
+            <a:endParaRPr lang="en-US"/>
+          </a:p>
+        </p:txBody>
+      </p:sp>
+      <p:sp>
+        <p:nvSpPr>
+          <p:cNvPr id="3" name="Text Placeholder 2"/>
+          <p:cNvSpPr>
+            <a:spLocks noGrp="1"/>
+          </p:cNvSpPr>
+          <p:nvPr>
+            <p:ph type="body" idx="1"/>
+          </p:nvPr>
+        </p:nvSpPr>
+        <p:spPr>
+          <a:xfrm>
+            <a:off x="722313" y="3875618"/>
+            <a:ext cx="7772400" cy="2000249"/>
+          </a:xfrm>
+        </p:spPr>
+        <p:txBody>
           <a:bodyPr anchor="b"/>
           <a:lstStyle>
-            <a:lvl1pPr>
-              <a:defRPr sz="6000"/>
-            </a:lvl1pPr>
-          </a:lstStyle>
-          <a:p>
-            <a:r>
-              <a:rPr lang="en-US" smtClean="0"/>
-              <a:t>Click to edit Master title style</a:t>
-            </a:r>
-            <a:endParaRPr lang="en-US" dirty="0"/>
-          </a:p>
-        </p:txBody>
-      </p:sp>
-      <p:sp>
-        <p:nvSpPr>
-          <p:cNvPr id="3" name="Text Placeholder 2"/>
-          <p:cNvSpPr>
-            <a:spLocks noGrp="1"/>
-          </p:cNvSpPr>
-          <p:nvPr>
-            <p:ph type="body" idx="1"/>
-          </p:nvPr>
-        </p:nvSpPr>
-        <p:spPr>
-          <a:xfrm>
-            <a:off x="623888" y="6119286"/>
-            <a:ext cx="7886700" cy="2000249"/>
-          </a:xfrm>
-        </p:spPr>
-        <p:txBody>
-          <a:bodyPr/>
-          <a:lstStyle>
             <a:lvl1pPr marL="0" indent="0">
               <a:buNone/>
-              <a:defRPr sz="2400">
+              <a:defRPr sz="2000">
                 <a:solidFill>
-                  <a:schemeClr val="tx1"/>
+                  <a:schemeClr val="tx1">
+                    <a:tint val="75000"/>
+                  </a:schemeClr>
                 </a:solidFill>
               </a:defRPr>
             </a:lvl1pPr>
             <a:lvl2pPr marL="457200" indent="0">
               <a:buNone/>
-              <a:defRPr sz="2000">
+              <a:defRPr sz="1800">
                 <a:solidFill>
                   <a:schemeClr val="tx1">
                     <a:tint val="75000"/>
@@ -912,7 +963,7 @@
             </a:lvl2pPr>
             <a:lvl3pPr marL="914400" indent="0">
               <a:buNone/>
-              <a:defRPr sz="1800">
+              <a:defRPr sz="1600">
                 <a:solidFill>
                   <a:schemeClr val="tx1">
                     <a:tint val="75000"/>
@@ -922,7 +973,7 @@
             </a:lvl3pPr>
             <a:lvl4pPr marL="1371600" indent="0">
               <a:buNone/>
-              <a:defRPr sz="1600">
+              <a:defRPr sz="1400">
                 <a:solidFill>
                   <a:schemeClr val="tx1">
                     <a:tint val="75000"/>
@@ -932,7 +983,7 @@
             </a:lvl4pPr>
             <a:lvl5pPr marL="1828800" indent="0">
               <a:buNone/>
-              <a:defRPr sz="1600">
+              <a:defRPr sz="1400">
                 <a:solidFill>
                   <a:schemeClr val="tx1">
                     <a:tint val="75000"/>
@@ -942,7 +993,7 @@
             </a:lvl5pPr>
             <a:lvl6pPr marL="2286000" indent="0">
               <a:buNone/>
-              <a:defRPr sz="1600">
+              <a:defRPr sz="1400">
                 <a:solidFill>
                   <a:schemeClr val="tx1">
                     <a:tint val="75000"/>
@@ -952,7 +1003,7 @@
             </a:lvl6pPr>
             <a:lvl7pPr marL="2743200" indent="0">
               <a:buNone/>
-              <a:defRPr sz="1600">
+              <a:defRPr sz="1400">
                 <a:solidFill>
                   <a:schemeClr val="tx1">
                     <a:tint val="75000"/>
@@ -962,7 +1013,7 @@
             </a:lvl7pPr>
             <a:lvl8pPr marL="3200400" indent="0">
               <a:buNone/>
-              <a:defRPr sz="1600">
+              <a:defRPr sz="1400">
                 <a:solidFill>
                   <a:schemeClr val="tx1">
                     <a:tint val="75000"/>
@@ -972,7 +1023,7 @@
             </a:lvl8pPr>
             <a:lvl9pPr marL="3657600" indent="0">
               <a:buNone/>
-              <a:defRPr sz="1600">
+              <a:defRPr sz="1400">
                 <a:solidFill>
                   <a:schemeClr val="tx1">
                     <a:tint val="75000"/>
@@ -1005,9 +1056,10 @@
           <a:bodyPr/>
           <a:lstStyle/>
           <a:p>
-            <a:fld id="{C5982FF3-AEC2-44F4-9AB6-41CB130DEE0B}" type="datetimeFigureOut">
-              <a:rPr lang="en-US" smtClean="0"/>
-              <a:t>6/16/2014</a:t>
+            <a:fld id="{1D8BD707-D9CF-40AE-B4C6-C98DA3205C09}" type="datetimeFigureOut">
+              <a:rPr lang="en-US" smtClean="0"/>
+              <a:pPr/>
+              <a:t>6/17/2014</a:t>
             </a:fld>
             <a:endParaRPr lang="en-US"/>
           </a:p>
@@ -1047,8 +1099,9 @@
           <a:bodyPr/>
           <a:lstStyle/>
           <a:p>
-            <a:fld id="{3FCBF118-8E8A-41EF-8E2C-5C2C96E70497}" type="slidenum">
-              <a:rPr lang="en-US" smtClean="0"/>
+            <a:fld id="{B6F15528-21DE-4FAA-801E-634DDDAF4B2B}" type="slidenum">
+              <a:rPr lang="en-US" smtClean="0"/>
+              <a:pPr/>
               <a:t>‹#›</a:t>
             </a:fld>
             <a:endParaRPr lang="en-US"/>
@@ -1056,11 +1109,6 @@
         </p:txBody>
       </p:sp>
     </p:spTree>
-    <p:extLst>
-      <p:ext uri="{BB962C8B-B14F-4D97-AF65-F5344CB8AC3E}">
-        <p14:creationId xmlns:p14="http://schemas.microsoft.com/office/powerpoint/2010/main" val="1451825959"/>
-      </p:ext>
-    </p:extLst>
   </p:cSld>
   <p:clrMapOvr>
     <a:masterClrMapping/>
@@ -1104,7 +1152,7 @@
               <a:rPr lang="en-US" smtClean="0"/>
               <a:t>Click to edit Master title style</a:t>
             </a:r>
-            <a:endParaRPr lang="en-US" dirty="0"/>
+            <a:endParaRPr lang="en-US"/>
           </a:p>
         </p:txBody>
       </p:sp>
@@ -1120,13 +1168,41 @@
         </p:nvSpPr>
         <p:spPr>
           <a:xfrm>
-            <a:off x="628650" y="2434167"/>
-            <a:ext cx="3886200" cy="5801784"/>
+            <a:off x="457200" y="2133601"/>
+            <a:ext cx="4038600" cy="6034617"/>
           </a:xfrm>
         </p:spPr>
         <p:txBody>
           <a:bodyPr/>
-          <a:lstStyle/>
+          <a:lstStyle>
+            <a:lvl1pPr>
+              <a:defRPr sz="2800"/>
+            </a:lvl1pPr>
+            <a:lvl2pPr>
+              <a:defRPr sz="2400"/>
+            </a:lvl2pPr>
+            <a:lvl3pPr>
+              <a:defRPr sz="2000"/>
+            </a:lvl3pPr>
+            <a:lvl4pPr>
+              <a:defRPr sz="1800"/>
+            </a:lvl4pPr>
+            <a:lvl5pPr>
+              <a:defRPr sz="1800"/>
+            </a:lvl5pPr>
+            <a:lvl6pPr>
+              <a:defRPr sz="1800"/>
+            </a:lvl6pPr>
+            <a:lvl7pPr>
+              <a:defRPr sz="1800"/>
+            </a:lvl7pPr>
+            <a:lvl8pPr>
+              <a:defRPr sz="1800"/>
+            </a:lvl8pPr>
+            <a:lvl9pPr>
+              <a:defRPr sz="1800"/>
+            </a:lvl9pPr>
+          </a:lstStyle>
           <a:p>
             <a:pPr lvl="0"/>
             <a:r>
@@ -1161,7 +1237,7 @@
               <a:rPr lang="en-US" smtClean="0"/>
               <a:t>Fifth level</a:t>
             </a:r>
-            <a:endParaRPr lang="en-US" dirty="0"/>
+            <a:endParaRPr lang="en-US"/>
           </a:p>
         </p:txBody>
       </p:sp>
@@ -1177,13 +1253,41 @@
         </p:nvSpPr>
         <p:spPr>
           <a:xfrm>
-            <a:off x="4629150" y="2434167"/>
-            <a:ext cx="3886200" cy="5801784"/>
+            <a:off x="4648200" y="2133601"/>
+            <a:ext cx="4038600" cy="6034617"/>
           </a:xfrm>
         </p:spPr>
         <p:txBody>
           <a:bodyPr/>
-          <a:lstStyle/>
+          <a:lstStyle>
+            <a:lvl1pPr>
+              <a:defRPr sz="2800"/>
+            </a:lvl1pPr>
+            <a:lvl2pPr>
+              <a:defRPr sz="2400"/>
+            </a:lvl2pPr>
+            <a:lvl3pPr>
+              <a:defRPr sz="2000"/>
+            </a:lvl3pPr>
+            <a:lvl4pPr>
+              <a:defRPr sz="1800"/>
+            </a:lvl4pPr>
+            <a:lvl5pPr>
+              <a:defRPr sz="1800"/>
+            </a:lvl5pPr>
+            <a:lvl6pPr>
+              <a:defRPr sz="1800"/>
+            </a:lvl6pPr>
+            <a:lvl7pPr>
+              <a:defRPr sz="1800"/>
+            </a:lvl7pPr>
+            <a:lvl8pPr>
+              <a:defRPr sz="1800"/>
+            </a:lvl8pPr>
+            <a:lvl9pPr>
+              <a:defRPr sz="1800"/>
+            </a:lvl9pPr>
+          </a:lstStyle>
           <a:p>
             <a:pPr lvl="0"/>
             <a:r>
@@ -1218,7 +1322,7 @@
               <a:rPr lang="en-US" smtClean="0"/>
               <a:t>Fifth level</a:t>
             </a:r>
-            <a:endParaRPr lang="en-US" dirty="0"/>
+            <a:endParaRPr lang="en-US"/>
           </a:p>
         </p:txBody>
       </p:sp>
@@ -1237,9 +1341,10 @@
           <a:bodyPr/>
           <a:lstStyle/>
           <a:p>
-            <a:fld id="{C5982FF3-AEC2-44F4-9AB6-41CB130DEE0B}" type="datetimeFigureOut">
-              <a:rPr lang="en-US" smtClean="0"/>
-              <a:t>6/16/2014</a:t>
+            <a:fld id="{1D8BD707-D9CF-40AE-B4C6-C98DA3205C09}" type="datetimeFigureOut">
+              <a:rPr lang="en-US" smtClean="0"/>
+              <a:pPr/>
+              <a:t>6/17/2014</a:t>
             </a:fld>
             <a:endParaRPr lang="en-US"/>
           </a:p>
@@ -1279,8 +1384,9 @@
           <a:bodyPr/>
           <a:lstStyle/>
           <a:p>
-            <a:fld id="{3FCBF118-8E8A-41EF-8E2C-5C2C96E70497}" type="slidenum">
-              <a:rPr lang="en-US" smtClean="0"/>
+            <a:fld id="{B6F15528-21DE-4FAA-801E-634DDDAF4B2B}" type="slidenum">
+              <a:rPr lang="en-US" smtClean="0"/>
+              <a:pPr/>
               <a:t>‹#›</a:t>
             </a:fld>
             <a:endParaRPr lang="en-US"/>
@@ -1288,11 +1394,6 @@
         </p:txBody>
       </p:sp>
     </p:spTree>
-    <p:extLst>
-      <p:ext uri="{BB962C8B-B14F-4D97-AF65-F5344CB8AC3E}">
-        <p14:creationId xmlns:p14="http://schemas.microsoft.com/office/powerpoint/2010/main" val="165082564"/>
-      </p:ext>
-    </p:extLst>
   </p:cSld>
   <p:clrMapOvr>
     <a:masterClrMapping/>
@@ -1327,38 +1428,37 @@
             <p:ph type="title"/>
           </p:nvPr>
         </p:nvSpPr>
+        <p:spPr/>
+        <p:txBody>
+          <a:bodyPr/>
+          <a:lstStyle>
+            <a:lvl1pPr>
+              <a:defRPr/>
+            </a:lvl1pPr>
+          </a:lstStyle>
+          <a:p>
+            <a:r>
+              <a:rPr lang="en-US" smtClean="0"/>
+              <a:t>Click to edit Master title style</a:t>
+            </a:r>
+            <a:endParaRPr lang="en-US"/>
+          </a:p>
+        </p:txBody>
+      </p:sp>
+      <p:sp>
+        <p:nvSpPr>
+          <p:cNvPr id="3" name="Text Placeholder 2"/>
+          <p:cNvSpPr>
+            <a:spLocks noGrp="1"/>
+          </p:cNvSpPr>
+          <p:nvPr>
+            <p:ph type="body" idx="1"/>
+          </p:nvPr>
+        </p:nvSpPr>
         <p:spPr>
           <a:xfrm>
-            <a:off x="629841" y="486836"/>
-            <a:ext cx="7886700" cy="1767417"/>
-          </a:xfrm>
-        </p:spPr>
-        <p:txBody>
-          <a:bodyPr/>
-          <a:lstStyle/>
-          <a:p>
-            <a:r>
-              <a:rPr lang="en-US" smtClean="0"/>
-              <a:t>Click to edit Master title style</a:t>
-            </a:r>
-            <a:endParaRPr lang="en-US" dirty="0"/>
-          </a:p>
-        </p:txBody>
-      </p:sp>
-      <p:sp>
-        <p:nvSpPr>
-          <p:cNvPr id="3" name="Text Placeholder 2"/>
-          <p:cNvSpPr>
-            <a:spLocks noGrp="1"/>
-          </p:cNvSpPr>
-          <p:nvPr>
-            <p:ph type="body" idx="1"/>
-          </p:nvPr>
-        </p:nvSpPr>
-        <p:spPr>
-          <a:xfrm>
-            <a:off x="629842" y="2241551"/>
-            <a:ext cx="3868340" cy="1098549"/>
+            <a:off x="457200" y="2046817"/>
+            <a:ext cx="4040188" cy="853016"/>
           </a:xfrm>
         </p:spPr>
         <p:txBody>
@@ -1422,13 +1522,41 @@
         </p:nvSpPr>
         <p:spPr>
           <a:xfrm>
-            <a:off x="629842" y="3340100"/>
-            <a:ext cx="3868340" cy="4912784"/>
+            <a:off x="457200" y="2899833"/>
+            <a:ext cx="4040188" cy="5268384"/>
           </a:xfrm>
         </p:spPr>
         <p:txBody>
           <a:bodyPr/>
-          <a:lstStyle/>
+          <a:lstStyle>
+            <a:lvl1pPr>
+              <a:defRPr sz="2400"/>
+            </a:lvl1pPr>
+            <a:lvl2pPr>
+              <a:defRPr sz="2000"/>
+            </a:lvl2pPr>
+            <a:lvl3pPr>
+              <a:defRPr sz="1800"/>
+            </a:lvl3pPr>
+            <a:lvl4pPr>
+              <a:defRPr sz="1600"/>
+            </a:lvl4pPr>
+            <a:lvl5pPr>
+              <a:defRPr sz="1600"/>
+            </a:lvl5pPr>
+            <a:lvl6pPr>
+              <a:defRPr sz="1600"/>
+            </a:lvl6pPr>
+            <a:lvl7pPr>
+              <a:defRPr sz="1600"/>
+            </a:lvl7pPr>
+            <a:lvl8pPr>
+              <a:defRPr sz="1600"/>
+            </a:lvl8pPr>
+            <a:lvl9pPr>
+              <a:defRPr sz="1600"/>
+            </a:lvl9pPr>
+          </a:lstStyle>
           <a:p>
             <a:pPr lvl="0"/>
             <a:r>
@@ -1463,7 +1591,7 @@
               <a:rPr lang="en-US" smtClean="0"/>
               <a:t>Fifth level</a:t>
             </a:r>
-            <a:endParaRPr lang="en-US" dirty="0"/>
+            <a:endParaRPr lang="en-US"/>
           </a:p>
         </p:txBody>
       </p:sp>
@@ -1479,8 +1607,8 @@
         </p:nvSpPr>
         <p:spPr>
           <a:xfrm>
-            <a:off x="4629151" y="2241551"/>
-            <a:ext cx="3887391" cy="1098549"/>
+            <a:off x="4645026" y="2046817"/>
+            <a:ext cx="4041775" cy="853016"/>
           </a:xfrm>
         </p:spPr>
         <p:txBody>
@@ -1544,13 +1672,41 @@
         </p:nvSpPr>
         <p:spPr>
           <a:xfrm>
-            <a:off x="4629151" y="3340100"/>
-            <a:ext cx="3887391" cy="4912784"/>
+            <a:off x="4645026" y="2899833"/>
+            <a:ext cx="4041775" cy="5268384"/>
           </a:xfrm>
         </p:spPr>
         <p:txBody>
           <a:bodyPr/>
-          <a:lstStyle/>
+          <a:lstStyle>
+            <a:lvl1pPr>
+              <a:defRPr sz="2400"/>
+            </a:lvl1pPr>
+            <a:lvl2pPr>
+              <a:defRPr sz="2000"/>
+            </a:lvl2pPr>
+            <a:lvl3pPr>
+              <a:defRPr sz="1800"/>
+            </a:lvl3pPr>
+            <a:lvl4pPr>
+              <a:defRPr sz="1600"/>
+            </a:lvl4pPr>
+            <a:lvl5pPr>
+              <a:defRPr sz="1600"/>
+            </a:lvl5pPr>
+            <a:lvl6pPr>
+              <a:defRPr sz="1600"/>
+            </a:lvl6pPr>
+            <a:lvl7pPr>
+              <a:defRPr sz="1600"/>
+            </a:lvl7pPr>
+            <a:lvl8pPr>
+              <a:defRPr sz="1600"/>
+            </a:lvl8pPr>
+            <a:lvl9pPr>
+              <a:defRPr sz="1600"/>
+            </a:lvl9pPr>
+          </a:lstStyle>
           <a:p>
             <a:pPr lvl="0"/>
             <a:r>
@@ -1585,7 +1741,7 @@
               <a:rPr lang="en-US" smtClean="0"/>
               <a:t>Fifth level</a:t>
             </a:r>
-            <a:endParaRPr lang="en-US" dirty="0"/>
+            <a:endParaRPr lang="en-US"/>
           </a:p>
         </p:txBody>
       </p:sp>
@@ -1604,9 +1760,10 @@
           <a:bodyPr/>
           <a:lstStyle/>
           <a:p>
-            <a:fld id="{C5982FF3-AEC2-44F4-9AB6-41CB130DEE0B}" type="datetimeFigureOut">
-              <a:rPr lang="en-US" smtClean="0"/>
-              <a:t>6/16/2014</a:t>
+            <a:fld id="{1D8BD707-D9CF-40AE-B4C6-C98DA3205C09}" type="datetimeFigureOut">
+              <a:rPr lang="en-US" smtClean="0"/>
+              <a:pPr/>
+              <a:t>6/17/2014</a:t>
             </a:fld>
             <a:endParaRPr lang="en-US"/>
           </a:p>
@@ -1646,8 +1803,9 @@
           <a:bodyPr/>
           <a:lstStyle/>
           <a:p>
-            <a:fld id="{3FCBF118-8E8A-41EF-8E2C-5C2C96E70497}" type="slidenum">
-              <a:rPr lang="en-US" smtClean="0"/>
+            <a:fld id="{B6F15528-21DE-4FAA-801E-634DDDAF4B2B}" type="slidenum">
+              <a:rPr lang="en-US" smtClean="0"/>
+              <a:pPr/>
               <a:t>‹#›</a:t>
             </a:fld>
             <a:endParaRPr lang="en-US"/>
@@ -1655,11 +1813,6 @@
         </p:txBody>
       </p:sp>
     </p:spTree>
-    <p:extLst>
-      <p:ext uri="{BB962C8B-B14F-4D97-AF65-F5344CB8AC3E}">
-        <p14:creationId xmlns:p14="http://schemas.microsoft.com/office/powerpoint/2010/main" val="4080737430"/>
-      </p:ext>
-    </p:extLst>
   </p:cSld>
   <p:clrMapOvr>
     <a:masterClrMapping/>
@@ -1703,7 +1856,7 @@
               <a:rPr lang="en-US" smtClean="0"/>
               <a:t>Click to edit Master title style</a:t>
             </a:r>
-            <a:endParaRPr lang="en-US" dirty="0"/>
+            <a:endParaRPr lang="en-US"/>
           </a:p>
         </p:txBody>
       </p:sp>
@@ -1722,9 +1875,10 @@
           <a:bodyPr/>
           <a:lstStyle/>
           <a:p>
-            <a:fld id="{C5982FF3-AEC2-44F4-9AB6-41CB130DEE0B}" type="datetimeFigureOut">
-              <a:rPr lang="en-US" smtClean="0"/>
-              <a:t>6/16/2014</a:t>
+            <a:fld id="{1D8BD707-D9CF-40AE-B4C6-C98DA3205C09}" type="datetimeFigureOut">
+              <a:rPr lang="en-US" smtClean="0"/>
+              <a:pPr/>
+              <a:t>6/17/2014</a:t>
             </a:fld>
             <a:endParaRPr lang="en-US"/>
           </a:p>
@@ -1764,8 +1918,9 @@
           <a:bodyPr/>
           <a:lstStyle/>
           <a:p>
-            <a:fld id="{3FCBF118-8E8A-41EF-8E2C-5C2C96E70497}" type="slidenum">
-              <a:rPr lang="en-US" smtClean="0"/>
+            <a:fld id="{B6F15528-21DE-4FAA-801E-634DDDAF4B2B}" type="slidenum">
+              <a:rPr lang="en-US" smtClean="0"/>
+              <a:pPr/>
               <a:t>‹#›</a:t>
             </a:fld>
             <a:endParaRPr lang="en-US"/>
@@ -1773,11 +1928,6 @@
         </p:txBody>
       </p:sp>
     </p:spTree>
-    <p:extLst>
-      <p:ext uri="{BB962C8B-B14F-4D97-AF65-F5344CB8AC3E}">
-        <p14:creationId xmlns:p14="http://schemas.microsoft.com/office/powerpoint/2010/main" val="389951232"/>
-      </p:ext>
-    </p:extLst>
   </p:cSld>
   <p:clrMapOvr>
     <a:masterClrMapping/>
@@ -1817,9 +1967,10 @@
           <a:bodyPr/>
           <a:lstStyle/>
           <a:p>
-            <a:fld id="{C5982FF3-AEC2-44F4-9AB6-41CB130DEE0B}" type="datetimeFigureOut">
-              <a:rPr lang="en-US" smtClean="0"/>
-              <a:t>6/16/2014</a:t>
+            <a:fld id="{1D8BD707-D9CF-40AE-B4C6-C98DA3205C09}" type="datetimeFigureOut">
+              <a:rPr lang="en-US" smtClean="0"/>
+              <a:pPr/>
+              <a:t>6/17/2014</a:t>
             </a:fld>
             <a:endParaRPr lang="en-US"/>
           </a:p>
@@ -1859,8 +2010,9 @@
           <a:bodyPr/>
           <a:lstStyle/>
           <a:p>
-            <a:fld id="{3FCBF118-8E8A-41EF-8E2C-5C2C96E70497}" type="slidenum">
-              <a:rPr lang="en-US" smtClean="0"/>
+            <a:fld id="{B6F15528-21DE-4FAA-801E-634DDDAF4B2B}" type="slidenum">
+              <a:rPr lang="en-US" smtClean="0"/>
+              <a:pPr/>
               <a:t>‹#›</a:t>
             </a:fld>
             <a:endParaRPr lang="en-US"/>
@@ -1868,11 +2020,6 @@
         </p:txBody>
       </p:sp>
     </p:spTree>
-    <p:extLst>
-      <p:ext uri="{BB962C8B-B14F-4D97-AF65-F5344CB8AC3E}">
-        <p14:creationId xmlns:p14="http://schemas.microsoft.com/office/powerpoint/2010/main" val="753139376"/>
-      </p:ext>
-    </p:extLst>
   </p:cSld>
   <p:clrMapOvr>
     <a:masterClrMapping/>
@@ -1909,15 +2056,15 @@
         </p:nvSpPr>
         <p:spPr>
           <a:xfrm>
-            <a:off x="629841" y="609600"/>
-            <a:ext cx="2949178" cy="2133600"/>
+            <a:off x="457201" y="364067"/>
+            <a:ext cx="3008313" cy="1549400"/>
           </a:xfrm>
         </p:spPr>
         <p:txBody>
           <a:bodyPr anchor="b"/>
           <a:lstStyle>
-            <a:lvl1pPr>
-              <a:defRPr sz="3200"/>
+            <a:lvl1pPr algn="l">
+              <a:defRPr sz="2000" b="1"/>
             </a:lvl1pPr>
           </a:lstStyle>
           <a:p>
@@ -1925,7 +2072,7 @@
               <a:rPr lang="en-US" smtClean="0"/>
               <a:t>Click to edit Master title style</a:t>
             </a:r>
-            <a:endParaRPr lang="en-US" dirty="0"/>
+            <a:endParaRPr lang="en-US"/>
           </a:p>
         </p:txBody>
       </p:sp>
@@ -1941,8 +2088,8 @@
         </p:nvSpPr>
         <p:spPr>
           <a:xfrm>
-            <a:off x="3887391" y="1316569"/>
-            <a:ext cx="4629150" cy="6498167"/>
+            <a:off x="3575050" y="364067"/>
+            <a:ext cx="5111750" cy="7804151"/>
           </a:xfrm>
         </p:spPr>
         <p:txBody>
@@ -2010,7 +2157,7 @@
               <a:rPr lang="en-US" smtClean="0"/>
               <a:t>Fifth level</a:t>
             </a:r>
-            <a:endParaRPr lang="en-US" dirty="0"/>
+            <a:endParaRPr lang="en-US"/>
           </a:p>
         </p:txBody>
       </p:sp>
@@ -2026,8 +2173,8 @@
         </p:nvSpPr>
         <p:spPr>
           <a:xfrm>
-            <a:off x="629841" y="2743200"/>
-            <a:ext cx="2949178" cy="5082117"/>
+            <a:off x="457201" y="1913467"/>
+            <a:ext cx="3008313" cy="6254751"/>
           </a:xfrm>
         </p:spPr>
         <p:txBody>
@@ -2035,39 +2182,39 @@
           <a:lstStyle>
             <a:lvl1pPr marL="0" indent="0">
               <a:buNone/>
-              <a:defRPr sz="1600"/>
+              <a:defRPr sz="1400"/>
             </a:lvl1pPr>
             <a:lvl2pPr marL="457200" indent="0">
               <a:buNone/>
-              <a:defRPr sz="1400"/>
+              <a:defRPr sz="1200"/>
             </a:lvl2pPr>
             <a:lvl3pPr marL="914400" indent="0">
               <a:buNone/>
-              <a:defRPr sz="1200"/>
+              <a:defRPr sz="1000"/>
             </a:lvl3pPr>
             <a:lvl4pPr marL="1371600" indent="0">
               <a:buNone/>
-              <a:defRPr sz="1000"/>
+              <a:defRPr sz="900"/>
             </a:lvl4pPr>
             <a:lvl5pPr marL="1828800" indent="0">
               <a:buNone/>
-              <a:defRPr sz="1000"/>
+              <a:defRPr sz="900"/>
             </a:lvl5pPr>
             <a:lvl6pPr marL="2286000" indent="0">
               <a:buNone/>
-              <a:defRPr sz="1000"/>
+              <a:defRPr sz="900"/>
             </a:lvl6pPr>
             <a:lvl7pPr marL="2743200" indent="0">
               <a:buNone/>
-              <a:defRPr sz="1000"/>
+              <a:defRPr sz="900"/>
             </a:lvl7pPr>
             <a:lvl8pPr marL="3200400" indent="0">
               <a:buNone/>
-              <a:defRPr sz="1000"/>
+              <a:defRPr sz="900"/>
             </a:lvl8pPr>
             <a:lvl9pPr marL="3657600" indent="0">
               <a:buNone/>
-              <a:defRPr sz="1000"/>
+              <a:defRPr sz="900"/>
             </a:lvl9pPr>
           </a:lstStyle>
           <a:p>
@@ -2094,9 +2241,10 @@
           <a:bodyPr/>
           <a:lstStyle/>
           <a:p>
-            <a:fld id="{C5982FF3-AEC2-44F4-9AB6-41CB130DEE0B}" type="datetimeFigureOut">
-              <a:rPr lang="en-US" smtClean="0"/>
-              <a:t>6/16/2014</a:t>
+            <a:fld id="{1D8BD707-D9CF-40AE-B4C6-C98DA3205C09}" type="datetimeFigureOut">
+              <a:rPr lang="en-US" smtClean="0"/>
+              <a:pPr/>
+              <a:t>6/17/2014</a:t>
             </a:fld>
             <a:endParaRPr lang="en-US"/>
           </a:p>
@@ -2136,8 +2284,9 @@
           <a:bodyPr/>
           <a:lstStyle/>
           <a:p>
-            <a:fld id="{3FCBF118-8E8A-41EF-8E2C-5C2C96E70497}" type="slidenum">
-              <a:rPr lang="en-US" smtClean="0"/>
+            <a:fld id="{B6F15528-21DE-4FAA-801E-634DDDAF4B2B}" type="slidenum">
+              <a:rPr lang="en-US" smtClean="0"/>
+              <a:pPr/>
               <a:t>‹#›</a:t>
             </a:fld>
             <a:endParaRPr lang="en-US"/>
@@ -2145,11 +2294,6 @@
         </p:txBody>
       </p:sp>
     </p:spTree>
-    <p:extLst>
-      <p:ext uri="{BB962C8B-B14F-4D97-AF65-F5344CB8AC3E}">
-        <p14:creationId xmlns:p14="http://schemas.microsoft.com/office/powerpoint/2010/main" val="1249408149"/>
-      </p:ext>
-    </p:extLst>
   </p:cSld>
   <p:clrMapOvr>
     <a:masterClrMapping/>
@@ -2186,15 +2330,15 @@
         </p:nvSpPr>
         <p:spPr>
           <a:xfrm>
-            <a:off x="629841" y="609600"/>
-            <a:ext cx="2949178" cy="2133600"/>
+            <a:off x="1792288" y="6400800"/>
+            <a:ext cx="5486400" cy="755651"/>
           </a:xfrm>
         </p:spPr>
         <p:txBody>
           <a:bodyPr anchor="b"/>
           <a:lstStyle>
-            <a:lvl1pPr>
-              <a:defRPr sz="3200"/>
+            <a:lvl1pPr algn="l">
+              <a:defRPr sz="2000" b="1"/>
             </a:lvl1pPr>
           </a:lstStyle>
           <a:p>
@@ -2202,7 +2346,7 @@
               <a:rPr lang="en-US" smtClean="0"/>
               <a:t>Click to edit Master title style</a:t>
             </a:r>
-            <a:endParaRPr lang="en-US" dirty="0"/>
+            <a:endParaRPr lang="en-US"/>
           </a:p>
         </p:txBody>
       </p:sp>
@@ -2210,7 +2354,7 @@
         <p:nvSpPr>
           <p:cNvPr id="3" name="Picture Placeholder 2"/>
           <p:cNvSpPr>
-            <a:spLocks noGrp="1" noChangeAspect="1"/>
+            <a:spLocks noGrp="1"/>
           </p:cNvSpPr>
           <p:nvPr>
             <p:ph type="pic" idx="1"/>
@@ -2218,12 +2362,12 @@
         </p:nvSpPr>
         <p:spPr>
           <a:xfrm>
-            <a:off x="3887391" y="1316569"/>
-            <a:ext cx="4629150" cy="6498167"/>
+            <a:off x="1792288" y="817033"/>
+            <a:ext cx="5486400" cy="5486400"/>
           </a:xfrm>
         </p:spPr>
         <p:txBody>
-          <a:bodyPr anchor="t"/>
+          <a:bodyPr/>
           <a:lstStyle>
             <a:lvl1pPr marL="0" indent="0">
               <a:buNone/>
@@ -2263,11 +2407,7 @@
             </a:lvl9pPr>
           </a:lstStyle>
           <a:p>
-            <a:r>
-              <a:rPr lang="en-US" smtClean="0"/>
-              <a:t>Click icon to add picture</a:t>
-            </a:r>
-            <a:endParaRPr lang="en-US" dirty="0"/>
+            <a:endParaRPr lang="en-US"/>
           </a:p>
         </p:txBody>
       </p:sp>
@@ -2283,8 +2423,8 @@
         </p:nvSpPr>
         <p:spPr>
           <a:xfrm>
-            <a:off x="629841" y="2743200"/>
-            <a:ext cx="2949178" cy="5082117"/>
+            <a:off x="1792288" y="7156451"/>
+            <a:ext cx="5486400" cy="1073149"/>
           </a:xfrm>
         </p:spPr>
         <p:txBody>
@@ -2292,39 +2432,39 @@
           <a:lstStyle>
             <a:lvl1pPr marL="0" indent="0">
               <a:buNone/>
-              <a:defRPr sz="1600"/>
+              <a:defRPr sz="1400"/>
             </a:lvl1pPr>
             <a:lvl2pPr marL="457200" indent="0">
               <a:buNone/>
-              <a:defRPr sz="1400"/>
+              <a:defRPr sz="1200"/>
             </a:lvl2pPr>
             <a:lvl3pPr marL="914400" indent="0">
               <a:buNone/>
-              <a:defRPr sz="1200"/>
+              <a:defRPr sz="1000"/>
             </a:lvl3pPr>
             <a:lvl4pPr marL="1371600" indent="0">
               <a:buNone/>
-              <a:defRPr sz="1000"/>
+              <a:defRPr sz="900"/>
             </a:lvl4pPr>
             <a:lvl5pPr marL="1828800" indent="0">
               <a:buNone/>
-              <a:defRPr sz="1000"/>
+              <a:defRPr sz="900"/>
             </a:lvl5pPr>
             <a:lvl6pPr marL="2286000" indent="0">
               <a:buNone/>
-              <a:defRPr sz="1000"/>
+              <a:defRPr sz="900"/>
             </a:lvl6pPr>
             <a:lvl7pPr marL="2743200" indent="0">
               <a:buNone/>
-              <a:defRPr sz="1000"/>
+              <a:defRPr sz="900"/>
             </a:lvl7pPr>
             <a:lvl8pPr marL="3200400" indent="0">
               <a:buNone/>
-              <a:defRPr sz="1000"/>
+              <a:defRPr sz="900"/>
             </a:lvl8pPr>
             <a:lvl9pPr marL="3657600" indent="0">
               <a:buNone/>
-              <a:defRPr sz="1000"/>
+              <a:defRPr sz="900"/>
             </a:lvl9pPr>
           </a:lstStyle>
           <a:p>
@@ -2351,9 +2491,10 @@
           <a:bodyPr/>
           <a:lstStyle/>
           <a:p>
-            <a:fld id="{C5982FF3-AEC2-44F4-9AB6-41CB130DEE0B}" type="datetimeFigureOut">
-              <a:rPr lang="en-US" smtClean="0"/>
-              <a:t>6/16/2014</a:t>
+            <a:fld id="{1D8BD707-D9CF-40AE-B4C6-C98DA3205C09}" type="datetimeFigureOut">
+              <a:rPr lang="en-US" smtClean="0"/>
+              <a:pPr/>
+              <a:t>6/17/2014</a:t>
             </a:fld>
             <a:endParaRPr lang="en-US"/>
           </a:p>
@@ -2393,8 +2534,9 @@
           <a:bodyPr/>
           <a:lstStyle/>
           <a:p>
-            <a:fld id="{3FCBF118-8E8A-41EF-8E2C-5C2C96E70497}" type="slidenum">
-              <a:rPr lang="en-US" smtClean="0"/>
+            <a:fld id="{B6F15528-21DE-4FAA-801E-634DDDAF4B2B}" type="slidenum">
+              <a:rPr lang="en-US" smtClean="0"/>
+              <a:pPr/>
               <a:t>‹#›</a:t>
             </a:fld>
             <a:endParaRPr lang="en-US"/>
@@ -2402,11 +2544,6 @@
         </p:txBody>
       </p:sp>
     </p:spTree>
-    <p:extLst>
-      <p:ext uri="{BB962C8B-B14F-4D97-AF65-F5344CB8AC3E}">
-        <p14:creationId xmlns:p14="http://schemas.microsoft.com/office/powerpoint/2010/main" val="656091277"/>
-      </p:ext>
-    </p:extLst>
   </p:cSld>
   <p:clrMapOvr>
     <a:masterClrMapping/>
@@ -2448,8 +2585,8 @@
         </p:nvSpPr>
         <p:spPr>
           <a:xfrm>
-            <a:off x="628650" y="486836"/>
-            <a:ext cx="7886700" cy="1767417"/>
+            <a:off x="457200" y="366184"/>
+            <a:ext cx="8229600" cy="1524000"/>
           </a:xfrm>
           <a:prstGeom prst="rect">
             <a:avLst/>
@@ -2465,7 +2602,7 @@
               <a:rPr lang="en-US" smtClean="0"/>
               <a:t>Click to edit Master title style</a:t>
             </a:r>
-            <a:endParaRPr lang="en-US" dirty="0"/>
+            <a:endParaRPr lang="en-US"/>
           </a:p>
         </p:txBody>
       </p:sp>
@@ -2481,8 +2618,8 @@
         </p:nvSpPr>
         <p:spPr>
           <a:xfrm>
-            <a:off x="628650" y="2434167"/>
-            <a:ext cx="7886700" cy="5801784"/>
+            <a:off x="457200" y="2133601"/>
+            <a:ext cx="8229600" cy="6034617"/>
           </a:xfrm>
           <a:prstGeom prst="rect">
             <a:avLst/>
@@ -2527,7 +2664,7 @@
               <a:rPr lang="en-US" smtClean="0"/>
               <a:t>Fifth level</a:t>
             </a:r>
-            <a:endParaRPr lang="en-US" dirty="0"/>
+            <a:endParaRPr lang="en-US"/>
           </a:p>
         </p:txBody>
       </p:sp>
@@ -2543,8 +2680,8 @@
         </p:nvSpPr>
         <p:spPr>
           <a:xfrm>
-            <a:off x="628650" y="8475136"/>
-            <a:ext cx="2057400" cy="486833"/>
+            <a:off x="457200" y="8475134"/>
+            <a:ext cx="2133600" cy="486833"/>
           </a:xfrm>
           <a:prstGeom prst="rect">
             <a:avLst/>
@@ -2564,9 +2701,10 @@
             </a:lvl1pPr>
           </a:lstStyle>
           <a:p>
-            <a:fld id="{C5982FF3-AEC2-44F4-9AB6-41CB130DEE0B}" type="datetimeFigureOut">
-              <a:rPr lang="en-US" smtClean="0"/>
-              <a:t>6/16/2014</a:t>
+            <a:fld id="{1D8BD707-D9CF-40AE-B4C6-C98DA3205C09}" type="datetimeFigureOut">
+              <a:rPr lang="en-US" smtClean="0"/>
+              <a:pPr/>
+              <a:t>6/17/2014</a:t>
             </a:fld>
             <a:endParaRPr lang="en-US"/>
           </a:p>
@@ -2584,8 +2722,8 @@
         </p:nvSpPr>
         <p:spPr>
           <a:xfrm>
-            <a:off x="3028950" y="8475136"/>
-            <a:ext cx="3086100" cy="486833"/>
+            <a:off x="3124200" y="8475134"/>
+            <a:ext cx="2895600" cy="486833"/>
           </a:xfrm>
           <a:prstGeom prst="rect">
             <a:avLst/>
@@ -2621,8 +2759,8 @@
         </p:nvSpPr>
         <p:spPr>
           <a:xfrm>
-            <a:off x="6457950" y="8475136"/>
-            <a:ext cx="2057400" cy="486833"/>
+            <a:off x="6553200" y="8475134"/>
+            <a:ext cx="2133600" cy="486833"/>
           </a:xfrm>
           <a:prstGeom prst="rect">
             <a:avLst/>
@@ -2642,8 +2780,9 @@
             </a:lvl1pPr>
           </a:lstStyle>
           <a:p>
-            <a:fld id="{3FCBF118-8E8A-41EF-8E2C-5C2C96E70497}" type="slidenum">
-              <a:rPr lang="en-US" smtClean="0"/>
+            <a:fld id="{B6F15528-21DE-4FAA-801E-634DDDAF4B2B}" type="slidenum">
+              <a:rPr lang="en-US" smtClean="0"/>
+              <a:pPr/>
               <a:t>‹#›</a:t>
             </a:fld>
             <a:endParaRPr lang="en-US"/>
@@ -2651,32 +2790,24 @@
         </p:txBody>
       </p:sp>
     </p:spTree>
-    <p:extLst>
-      <p:ext uri="{BB962C8B-B14F-4D97-AF65-F5344CB8AC3E}">
-        <p14:creationId xmlns:p14="http://schemas.microsoft.com/office/powerpoint/2010/main" val="356649052"/>
-      </p:ext>
-    </p:extLst>
   </p:cSld>
   <p:clrMap bg1="lt1" tx1="dk1" bg2="lt2" tx2="dk2" accent1="accent1" accent2="accent2" accent3="accent3" accent4="accent4" accent5="accent5" accent6="accent6" hlink="hlink" folHlink="folHlink"/>
   <p:sldLayoutIdLst>
-    <p:sldLayoutId id="2147483661" r:id="rId1"/>
-    <p:sldLayoutId id="2147483662" r:id="rId2"/>
-    <p:sldLayoutId id="2147483663" r:id="rId3"/>
-    <p:sldLayoutId id="2147483664" r:id="rId4"/>
-    <p:sldLayoutId id="2147483665" r:id="rId5"/>
-    <p:sldLayoutId id="2147483666" r:id="rId6"/>
-    <p:sldLayoutId id="2147483667" r:id="rId7"/>
-    <p:sldLayoutId id="2147483668" r:id="rId8"/>
-    <p:sldLayoutId id="2147483669" r:id="rId9"/>
-    <p:sldLayoutId id="2147483670" r:id="rId10"/>
-    <p:sldLayoutId id="2147483671" r:id="rId11"/>
+    <p:sldLayoutId id="2147483649" r:id="rId1"/>
+    <p:sldLayoutId id="2147483650" r:id="rId2"/>
+    <p:sldLayoutId id="2147483651" r:id="rId3"/>
+    <p:sldLayoutId id="2147483652" r:id="rId4"/>
+    <p:sldLayoutId id="2147483653" r:id="rId5"/>
+    <p:sldLayoutId id="2147483654" r:id="rId6"/>
+    <p:sldLayoutId id="2147483655" r:id="rId7"/>
+    <p:sldLayoutId id="2147483656" r:id="rId8"/>
+    <p:sldLayoutId id="2147483657" r:id="rId9"/>
+    <p:sldLayoutId id="2147483658" r:id="rId10"/>
+    <p:sldLayoutId id="2147483659" r:id="rId11"/>
   </p:sldLayoutIdLst>
   <p:txStyles>
     <p:titleStyle>
-      <a:lvl1pPr algn="l" defTabSz="914400" rtl="0" eaLnBrk="1" latinLnBrk="0" hangingPunct="1">
-        <a:lnSpc>
-          <a:spcPct val="90000"/>
-        </a:lnSpc>
+      <a:lvl1pPr algn="ctr" defTabSz="914400" rtl="0" eaLnBrk="1" latinLnBrk="0" hangingPunct="1">
         <a:spcBef>
           <a:spcPct val="0"/>
         </a:spcBef>
@@ -2692,15 +2823,27 @@
       </a:lvl1pPr>
     </p:titleStyle>
     <p:bodyStyle>
-      <a:lvl1pPr marL="228600" indent="-228600" algn="l" defTabSz="914400" rtl="0" eaLnBrk="1" latinLnBrk="0" hangingPunct="1">
-        <a:lnSpc>
-          <a:spcPct val="90000"/>
-        </a:lnSpc>
+      <a:lvl1pPr marL="342900" indent="-342900" algn="l" defTabSz="914400" rtl="0" eaLnBrk="1" latinLnBrk="0" hangingPunct="1">
         <a:spcBef>
-          <a:spcPts val="1000"/>
+          <a:spcPct val="20000"/>
         </a:spcBef>
-        <a:buFont typeface="Arial" panose="020B0604020202020204" pitchFamily="34" charset="0"/>
+        <a:buFont typeface="Arial" pitchFamily="34" charset="0"/>
         <a:buChar char="•"/>
+        <a:defRPr sz="3200" kern="1200">
+          <a:solidFill>
+            <a:schemeClr val="tx1"/>
+          </a:solidFill>
+          <a:latin typeface="+mn-lt"/>
+          <a:ea typeface="+mn-ea"/>
+          <a:cs typeface="+mn-cs"/>
+        </a:defRPr>
+      </a:lvl1pPr>
+      <a:lvl2pPr marL="742950" indent="-285750" algn="l" defTabSz="914400" rtl="0" eaLnBrk="1" latinLnBrk="0" hangingPunct="1">
+        <a:spcBef>
+          <a:spcPct val="20000"/>
+        </a:spcBef>
+        <a:buFont typeface="Arial" pitchFamily="34" charset="0"/>
+        <a:buChar char="–"/>
         <a:defRPr sz="2800" kern="1200">
           <a:solidFill>
             <a:schemeClr val="tx1"/>
@@ -2709,15 +2852,12 @@
           <a:ea typeface="+mn-ea"/>
           <a:cs typeface="+mn-cs"/>
         </a:defRPr>
-      </a:lvl1pPr>
-      <a:lvl2pPr marL="685800" indent="-228600" algn="l" defTabSz="914400" rtl="0" eaLnBrk="1" latinLnBrk="0" hangingPunct="1">
-        <a:lnSpc>
-          <a:spcPct val="90000"/>
-        </a:lnSpc>
+      </a:lvl2pPr>
+      <a:lvl3pPr marL="1143000" indent="-228600" algn="l" defTabSz="914400" rtl="0" eaLnBrk="1" latinLnBrk="0" hangingPunct="1">
         <a:spcBef>
-          <a:spcPts val="500"/>
+          <a:spcPct val="20000"/>
         </a:spcBef>
-        <a:buFont typeface="Arial" panose="020B0604020202020204" pitchFamily="34" charset="0"/>
+        <a:buFont typeface="Arial" pitchFamily="34" charset="0"/>
         <a:buChar char="•"/>
         <a:defRPr sz="2400" kern="1200">
           <a:solidFill>
@@ -2727,15 +2867,42 @@
           <a:ea typeface="+mn-ea"/>
           <a:cs typeface="+mn-cs"/>
         </a:defRPr>
-      </a:lvl2pPr>
-      <a:lvl3pPr marL="1143000" indent="-228600" algn="l" defTabSz="914400" rtl="0" eaLnBrk="1" latinLnBrk="0" hangingPunct="1">
-        <a:lnSpc>
-          <a:spcPct val="90000"/>
-        </a:lnSpc>
+      </a:lvl3pPr>
+      <a:lvl4pPr marL="1600200" indent="-228600" algn="l" defTabSz="914400" rtl="0" eaLnBrk="1" latinLnBrk="0" hangingPunct="1">
         <a:spcBef>
-          <a:spcPts val="500"/>
+          <a:spcPct val="20000"/>
         </a:spcBef>
-        <a:buFont typeface="Arial" panose="020B0604020202020204" pitchFamily="34" charset="0"/>
+        <a:buFont typeface="Arial" pitchFamily="34" charset="0"/>
+        <a:buChar char="–"/>
+        <a:defRPr sz="2000" kern="1200">
+          <a:solidFill>
+            <a:schemeClr val="tx1"/>
+          </a:solidFill>
+          <a:latin typeface="+mn-lt"/>
+          <a:ea typeface="+mn-ea"/>
+          <a:cs typeface="+mn-cs"/>
+        </a:defRPr>
+      </a:lvl4pPr>
+      <a:lvl5pPr marL="2057400" indent="-228600" algn="l" defTabSz="914400" rtl="0" eaLnBrk="1" latinLnBrk="0" hangingPunct="1">
+        <a:spcBef>
+          <a:spcPct val="20000"/>
+        </a:spcBef>
+        <a:buFont typeface="Arial" pitchFamily="34" charset="0"/>
+        <a:buChar char="»"/>
+        <a:defRPr sz="2000" kern="1200">
+          <a:solidFill>
+            <a:schemeClr val="tx1"/>
+          </a:solidFill>
+          <a:latin typeface="+mn-lt"/>
+          <a:ea typeface="+mn-ea"/>
+          <a:cs typeface="+mn-cs"/>
+        </a:defRPr>
+      </a:lvl5pPr>
+      <a:lvl6pPr marL="2514600" indent="-228600" algn="l" defTabSz="914400" rtl="0" eaLnBrk="1" latinLnBrk="0" hangingPunct="1">
+        <a:spcBef>
+          <a:spcPct val="20000"/>
+        </a:spcBef>
+        <a:buFont typeface="Arial" pitchFamily="34" charset="0"/>
         <a:buChar char="•"/>
         <a:defRPr sz="2000" kern="1200">
           <a:solidFill>
@@ -2745,71 +2912,14 @@
           <a:ea typeface="+mn-ea"/>
           <a:cs typeface="+mn-cs"/>
         </a:defRPr>
-      </a:lvl3pPr>
-      <a:lvl4pPr marL="1600200" indent="-228600" algn="l" defTabSz="914400" rtl="0" eaLnBrk="1" latinLnBrk="0" hangingPunct="1">
-        <a:lnSpc>
-          <a:spcPct val="90000"/>
-        </a:lnSpc>
-        <a:spcBef>
-          <a:spcPts val="500"/>
-        </a:spcBef>
-        <a:buFont typeface="Arial" panose="020B0604020202020204" pitchFamily="34" charset="0"/>
-        <a:buChar char="•"/>
-        <a:defRPr sz="1800" kern="1200">
-          <a:solidFill>
-            <a:schemeClr val="tx1"/>
-          </a:solidFill>
-          <a:latin typeface="+mn-lt"/>
-          <a:ea typeface="+mn-ea"/>
-          <a:cs typeface="+mn-cs"/>
-        </a:defRPr>
-      </a:lvl4pPr>
-      <a:lvl5pPr marL="2057400" indent="-228600" algn="l" defTabSz="914400" rtl="0" eaLnBrk="1" latinLnBrk="0" hangingPunct="1">
-        <a:lnSpc>
-          <a:spcPct val="90000"/>
-        </a:lnSpc>
-        <a:spcBef>
-          <a:spcPts val="500"/>
-        </a:spcBef>
-        <a:buFont typeface="Arial" panose="020B0604020202020204" pitchFamily="34" charset="0"/>
-        <a:buChar char="•"/>
-        <a:defRPr sz="1800" kern="1200">
-          <a:solidFill>
-            <a:schemeClr val="tx1"/>
-          </a:solidFill>
-          <a:latin typeface="+mn-lt"/>
-          <a:ea typeface="+mn-ea"/>
-          <a:cs typeface="+mn-cs"/>
-        </a:defRPr>
-      </a:lvl5pPr>
-      <a:lvl6pPr marL="2514600" indent="-228600" algn="l" defTabSz="914400" rtl="0" eaLnBrk="1" latinLnBrk="0" hangingPunct="1">
-        <a:lnSpc>
-          <a:spcPct val="90000"/>
-        </a:lnSpc>
-        <a:spcBef>
-          <a:spcPts val="500"/>
-        </a:spcBef>
-        <a:buFont typeface="Arial" panose="020B0604020202020204" pitchFamily="34" charset="0"/>
-        <a:buChar char="•"/>
-        <a:defRPr sz="1800" kern="1200">
-          <a:solidFill>
-            <a:schemeClr val="tx1"/>
-          </a:solidFill>
-          <a:latin typeface="+mn-lt"/>
-          <a:ea typeface="+mn-ea"/>
-          <a:cs typeface="+mn-cs"/>
-        </a:defRPr>
       </a:lvl6pPr>
       <a:lvl7pPr marL="2971800" indent="-228600" algn="l" defTabSz="914400" rtl="0" eaLnBrk="1" latinLnBrk="0" hangingPunct="1">
-        <a:lnSpc>
-          <a:spcPct val="90000"/>
-        </a:lnSpc>
         <a:spcBef>
-          <a:spcPts val="500"/>
+          <a:spcPct val="20000"/>
         </a:spcBef>
-        <a:buFont typeface="Arial" panose="020B0604020202020204" pitchFamily="34" charset="0"/>
+        <a:buFont typeface="Arial" pitchFamily="34" charset="0"/>
         <a:buChar char="•"/>
-        <a:defRPr sz="1800" kern="1200">
+        <a:defRPr sz="2000" kern="1200">
           <a:solidFill>
             <a:schemeClr val="tx1"/>
           </a:solidFill>
@@ -2819,15 +2929,12 @@
         </a:defRPr>
       </a:lvl7pPr>
       <a:lvl8pPr marL="3429000" indent="-228600" algn="l" defTabSz="914400" rtl="0" eaLnBrk="1" latinLnBrk="0" hangingPunct="1">
-        <a:lnSpc>
-          <a:spcPct val="90000"/>
-        </a:lnSpc>
         <a:spcBef>
-          <a:spcPts val="500"/>
+          <a:spcPct val="20000"/>
         </a:spcBef>
-        <a:buFont typeface="Arial" panose="020B0604020202020204" pitchFamily="34" charset="0"/>
+        <a:buFont typeface="Arial" pitchFamily="34" charset="0"/>
         <a:buChar char="•"/>
-        <a:defRPr sz="1800" kern="1200">
+        <a:defRPr sz="2000" kern="1200">
           <a:solidFill>
             <a:schemeClr val="tx1"/>
           </a:solidFill>
@@ -2837,15 +2944,12 @@
         </a:defRPr>
       </a:lvl8pPr>
       <a:lvl9pPr marL="3886200" indent="-228600" algn="l" defTabSz="914400" rtl="0" eaLnBrk="1" latinLnBrk="0" hangingPunct="1">
-        <a:lnSpc>
-          <a:spcPct val="90000"/>
-        </a:lnSpc>
         <a:spcBef>
-          <a:spcPts val="500"/>
+          <a:spcPct val="20000"/>
         </a:spcBef>
-        <a:buFont typeface="Arial" panose="020B0604020202020204" pitchFamily="34" charset="0"/>
+        <a:buFont typeface="Arial" pitchFamily="34" charset="0"/>
         <a:buChar char="•"/>
-        <a:defRPr sz="1800" kern="1200">
+        <a:defRPr sz="2000" kern="1200">
           <a:solidFill>
             <a:schemeClr val="tx1"/>
           </a:solidFill>
@@ -2971,79 +3075,91 @@
           <a:chExt cx="0" cy="0"/>
         </a:xfrm>
       </p:grpSpPr>
+      <p:sp>
+        <p:nvSpPr>
+          <p:cNvPr id="5" name="TextBox 4"/>
+          <p:cNvSpPr txBox="1"/>
+          <p:nvPr/>
+        </p:nvSpPr>
+        <p:spPr>
+          <a:xfrm>
+            <a:off x="3733800" y="4648200"/>
+            <a:ext cx="4038600" cy="3276600"/>
+          </a:xfrm>
+          <a:prstGeom prst="rect">
+            <a:avLst/>
+          </a:prstGeom>
+          <a:noFill/>
+          <a:scene3d>
+            <a:camera prst="perspectiveRight"/>
+            <a:lightRig rig="threePt" dir="t"/>
+          </a:scene3d>
+        </p:spPr>
+        <p:txBody>
+          <a:bodyPr wrap="square" rtlCol="0">
+            <a:spAutoFit/>
+          </a:bodyPr>
+          <a:lstStyle/>
+          <a:p>
+            <a:pPr algn="ctr"/>
+            <a:r>
+              <a:rPr lang="en-US" sz="20000" dirty="0" smtClean="0">
+                <a:solidFill>
+                  <a:schemeClr val="bg1"/>
+                </a:solidFill>
+              </a:rPr>
+              <a:t>ro</a:t>
+            </a:r>
+            <a:endParaRPr lang="en-US" sz="20000" dirty="0">
+              <a:solidFill>
+                <a:schemeClr val="bg1"/>
+              </a:solidFill>
+            </a:endParaRPr>
+          </a:p>
+        </p:txBody>
+      </p:sp>
       <p:grpSp>
         <p:nvGrpSpPr>
-          <p:cNvPr id="4" name="Group 3"/>
+          <p:cNvPr id="6" name="Group 5"/>
           <p:cNvGrpSpPr/>
           <p:nvPr/>
         </p:nvGrpSpPr>
         <p:grpSpPr>
           <a:xfrm>
-            <a:off x="1371600" y="1099594"/>
-            <a:ext cx="6812280" cy="7786747"/>
-            <a:chOff x="1371600" y="1099594"/>
-            <a:chExt cx="6812280" cy="7786747"/>
+            <a:off x="1371600" y="1005840"/>
+            <a:ext cx="6766560" cy="6766138"/>
+            <a:chOff x="1371600" y="1005840"/>
+            <a:chExt cx="6766560" cy="6766138"/>
           </a:xfrm>
+          <a:scene3d>
+            <a:camera prst="perspectiveRight"/>
+            <a:lightRig rig="threePt" dir="t"/>
+          </a:scene3d>
         </p:grpSpPr>
         <p:sp>
           <p:nvSpPr>
-            <p:cNvPr id="2" name="Rounded Rectangle 1"/>
+            <p:cNvPr id="2" name="Folded Corner 1"/>
             <p:cNvSpPr/>
             <p:nvPr/>
           </p:nvSpPr>
           <p:spPr>
             <a:xfrm>
-              <a:off x="1371600" y="1371600"/>
-              <a:ext cx="6400800" cy="6400800"/>
+              <a:off x="1371600" y="1371177"/>
+              <a:ext cx="6400800" cy="6400801"/>
             </a:xfrm>
-            <a:prstGeom prst="roundRect">
+            <a:prstGeom prst="foldedCorner">
               <a:avLst/>
             </a:prstGeom>
-            <a:gradFill>
-              <a:gsLst>
-                <a:gs pos="0">
-                  <a:schemeClr val="dk1">
-                    <a:satMod val="103000"/>
-                    <a:tint val="94000"/>
-                    <a:lumMod val="50000"/>
-                    <a:lumOff val="50000"/>
-                  </a:schemeClr>
-                </a:gs>
-                <a:gs pos="50000">
-                  <a:schemeClr val="dk1">
-                    <a:satMod val="110000"/>
-                    <a:shade val="100000"/>
-                    <a:lumMod val="75000"/>
-                    <a:lumOff val="25000"/>
-                  </a:schemeClr>
-                </a:gs>
-                <a:gs pos="100000">
-                  <a:schemeClr val="dk1">
-                    <a:satMod val="120000"/>
-                    <a:shade val="78000"/>
-                    <a:lumMod val="100000"/>
-                  </a:schemeClr>
-                </a:gs>
-              </a:gsLst>
-              <a:lin ang="5400000" scaled="0"/>
-            </a:gradFill>
-            <a:scene3d>
-              <a:camera prst="orthographicFront"/>
-              <a:lightRig rig="threePt" dir="t"/>
-            </a:scene3d>
-            <a:sp3d>
-              <a:bevelT/>
-            </a:sp3d>
           </p:spPr>
           <p:style>
             <a:lnRef idx="0">
-              <a:schemeClr val="dk1"/>
+              <a:schemeClr val="accent1"/>
             </a:lnRef>
             <a:fillRef idx="3">
-              <a:schemeClr val="dk1"/>
+              <a:schemeClr val="accent1"/>
             </a:fillRef>
             <a:effectRef idx="3">
-              <a:schemeClr val="dk1"/>
+              <a:schemeClr val="accent1"/>
             </a:effectRef>
             <a:fontRef idx="minor">
               <a:schemeClr val="lt1"/>
@@ -3054,7 +3170,11 @@
             <a:lstStyle/>
             <a:p>
               <a:pPr algn="ctr"/>
-              <a:endParaRPr lang="en-US" dirty="0"/>
+              <a:endParaRPr lang="en-US" dirty="0">
+                <a:solidFill>
+                  <a:schemeClr val="tx1"/>
+                </a:solidFill>
+              </a:endParaRPr>
             </a:p>
           </p:txBody>
         </p:sp>
@@ -3066,8 +3186,8 @@
           </p:nvSpPr>
           <p:spPr>
             <a:xfrm>
-              <a:off x="1783080" y="1099594"/>
-              <a:ext cx="6400800" cy="7786747"/>
+              <a:off x="1737360" y="1005840"/>
+              <a:ext cx="6400800" cy="6400800"/>
             </a:xfrm>
             <a:prstGeom prst="rect">
               <a:avLst/>
@@ -3081,34 +3201,14 @@
             <a:lstStyle/>
             <a:p>
               <a:r>
-                <a:rPr lang="en-US" sz="50000" dirty="0" smtClean="0">
+                <a:rPr lang="en-US" sz="50000" dirty="0">
                   <a:solidFill>
-                    <a:schemeClr val="accent2"/>
+                    <a:schemeClr val="bg1"/>
                   </a:solidFill>
-                  <a:effectLst>
-                    <a:outerShdw blurRad="38100" dist="38100" dir="2700000" algn="tl">
-                      <a:srgbClr val="000000">
-                        <a:alpha val="43137"/>
-                      </a:srgbClr>
-                    </a:outerShdw>
-                  </a:effectLst>
                   <a:latin typeface="Magneto" panose="04030805050802020D02" pitchFamily="82" charset="0"/>
                 </a:rPr>
                 <a:t>O</a:t>
               </a:r>
-              <a:endParaRPr lang="en-US" sz="50000" dirty="0">
-                <a:solidFill>
-                  <a:schemeClr val="accent2"/>
-                </a:solidFill>
-                <a:effectLst>
-                  <a:outerShdw blurRad="38100" dist="38100" dir="2700000" algn="tl">
-                    <a:srgbClr val="000000">
-                      <a:alpha val="43137"/>
-                    </a:srgbClr>
-                  </a:outerShdw>
-                </a:effectLst>
-                <a:latin typeface="Magneto" panose="04030805050802020D02" pitchFamily="82" charset="0"/>
-              </a:endParaRPr>
             </a:p>
           </p:txBody>
         </p:sp>
@@ -3116,7 +3216,7 @@
     </p:spTree>
     <p:extLst>
       <p:ext uri="{BB962C8B-B14F-4D97-AF65-F5344CB8AC3E}">
-        <p14:creationId xmlns:p14="http://schemas.microsoft.com/office/powerpoint/2010/main" val="1170747744"/>
+        <p14:creationId xmlns:p14="http://schemas.microsoft.com/office/powerpoint/2010/main" val="3668448904"/>
       </p:ext>
     </p:extLst>
   </p:cSld>
@@ -3129,7 +3229,7 @@
 <file path=ppt/theme/theme1.xml><?xml version="1.0" encoding="utf-8"?>
 <a:theme xmlns:a="http://schemas.openxmlformats.org/drawingml/2006/main" name="Office Theme">
   <a:themeElements>
-    <a:clrScheme name="Office Theme">
+    <a:clrScheme name="Office">
       <a:dk1>
         <a:sysClr val="windowText" lastClr="000000"/>
       </a:dk1>
@@ -3137,39 +3237,39 @@
         <a:sysClr val="window" lastClr="FFFFFF"/>
       </a:lt1>
       <a:dk2>
-        <a:srgbClr val="44546A"/>
+        <a:srgbClr val="1F497D"/>
       </a:dk2>
       <a:lt2>
-        <a:srgbClr val="E7E6E6"/>
+        <a:srgbClr val="EEECE1"/>
       </a:lt2>
       <a:accent1>
-        <a:srgbClr val="5B9BD5"/>
+        <a:srgbClr val="4F81BD"/>
       </a:accent1>
       <a:accent2>
-        <a:srgbClr val="ED7D31"/>
+        <a:srgbClr val="C0504D"/>
       </a:accent2>
       <a:accent3>
-        <a:srgbClr val="A5A5A5"/>
+        <a:srgbClr val="9BBB59"/>
       </a:accent3>
       <a:accent4>
-        <a:srgbClr val="FFC000"/>
+        <a:srgbClr val="8064A2"/>
       </a:accent4>
       <a:accent5>
-        <a:srgbClr val="4472C4"/>
+        <a:srgbClr val="4BACC6"/>
       </a:accent5>
       <a:accent6>
-        <a:srgbClr val="70AD47"/>
+        <a:srgbClr val="F79646"/>
       </a:accent6>
       <a:hlink>
-        <a:srgbClr val="0563C1"/>
+        <a:srgbClr val="0000FF"/>
       </a:hlink>
       <a:folHlink>
-        <a:srgbClr val="954F72"/>
+        <a:srgbClr val="800080"/>
       </a:folHlink>
     </a:clrScheme>
-    <a:fontScheme name="Office Theme">
+    <a:fontScheme name="Office">
       <a:majorFont>
-        <a:latin typeface="Calibri Light" panose="020F0302020204030204"/>
+        <a:latin typeface="Calibri"/>
         <a:ea typeface=""/>
         <a:cs typeface=""/>
         <a:font script="Jpan" typeface="ＭＳ Ｐゴシック"/>
@@ -3201,10 +3301,9 @@
         <a:font script="Mong" typeface="Mongolian Baiti"/>
         <a:font script="Viet" typeface="Times New Roman"/>
         <a:font script="Uigh" typeface="Microsoft Uighur"/>
-        <a:font script="Geor" typeface="Sylfaen"/>
       </a:majorFont>
       <a:minorFont>
-        <a:latin typeface="Calibri" panose="020F0502020204030204"/>
+        <a:latin typeface="Calibri"/>
         <a:ea typeface=""/>
         <a:cs typeface=""/>
         <a:font script="Jpan" typeface="ＭＳ Ｐゴシック"/>
@@ -3236,10 +3335,9 @@
         <a:font script="Mong" typeface="Mongolian Baiti"/>
         <a:font script="Viet" typeface="Arial"/>
         <a:font script="Uigh" typeface="Microsoft Uighur"/>
-        <a:font script="Geor" typeface="Sylfaen"/>
       </a:minorFont>
     </a:fontScheme>
-    <a:fmtScheme name="Office Theme">
+    <a:fmtScheme name="Office">
       <a:fillStyleLst>
         <a:solidFill>
           <a:schemeClr val="phClr"/>
@@ -3248,141 +3346,165 @@
           <a:gsLst>
             <a:gs pos="0">
               <a:schemeClr val="phClr">
-                <a:lumMod val="110000"/>
-                <a:satMod val="105000"/>
-                <a:tint val="67000"/>
+                <a:tint val="50000"/>
+                <a:satMod val="300000"/>
               </a:schemeClr>
             </a:gs>
-            <a:gs pos="50000">
+            <a:gs pos="35000">
               <a:schemeClr val="phClr">
-                <a:lumMod val="105000"/>
-                <a:satMod val="103000"/>
-                <a:tint val="73000"/>
+                <a:tint val="37000"/>
+                <a:satMod val="300000"/>
               </a:schemeClr>
             </a:gs>
             <a:gs pos="100000">
               <a:schemeClr val="phClr">
-                <a:lumMod val="105000"/>
-                <a:satMod val="109000"/>
-                <a:tint val="81000"/>
+                <a:tint val="15000"/>
+                <a:satMod val="350000"/>
               </a:schemeClr>
             </a:gs>
           </a:gsLst>
-          <a:lin ang="5400000" scaled="0"/>
+          <a:lin ang="16200000" scaled="1"/>
         </a:gradFill>
         <a:gradFill rotWithShape="1">
           <a:gsLst>
             <a:gs pos="0">
               <a:schemeClr val="phClr">
-                <a:satMod val="103000"/>
-                <a:lumMod val="102000"/>
-                <a:tint val="94000"/>
+                <a:shade val="51000"/>
+                <a:satMod val="130000"/>
               </a:schemeClr>
             </a:gs>
-            <a:gs pos="50000">
+            <a:gs pos="80000">
               <a:schemeClr val="phClr">
-                <a:satMod val="110000"/>
-                <a:lumMod val="100000"/>
-                <a:shade val="100000"/>
+                <a:shade val="93000"/>
+                <a:satMod val="130000"/>
               </a:schemeClr>
             </a:gs>
             <a:gs pos="100000">
               <a:schemeClr val="phClr">
-                <a:lumMod val="99000"/>
-                <a:satMod val="120000"/>
-                <a:shade val="78000"/>
+                <a:shade val="94000"/>
+                <a:satMod val="135000"/>
               </a:schemeClr>
             </a:gs>
           </a:gsLst>
-          <a:lin ang="5400000" scaled="0"/>
+          <a:lin ang="16200000" scaled="0"/>
         </a:gradFill>
       </a:fillStyleLst>
       <a:lnStyleLst>
-        <a:ln w="6350" cap="flat" cmpd="sng" algn="ctr">
+        <a:ln w="9525" cap="flat" cmpd="sng" algn="ctr">
+          <a:solidFill>
+            <a:schemeClr val="phClr">
+              <a:shade val="95000"/>
+              <a:satMod val="105000"/>
+            </a:schemeClr>
+          </a:solidFill>
+          <a:prstDash val="solid"/>
+        </a:ln>
+        <a:ln w="25400" cap="flat" cmpd="sng" algn="ctr">
           <a:solidFill>
             <a:schemeClr val="phClr"/>
           </a:solidFill>
           <a:prstDash val="solid"/>
-          <a:miter lim="800000"/>
         </a:ln>
-        <a:ln w="12700" cap="flat" cmpd="sng" algn="ctr">
+        <a:ln w="38100" cap="flat" cmpd="sng" algn="ctr">
           <a:solidFill>
             <a:schemeClr val="phClr"/>
           </a:solidFill>
           <a:prstDash val="solid"/>
-          <a:miter lim="800000"/>
-        </a:ln>
-        <a:ln w="19050" cap="flat" cmpd="sng" algn="ctr">
-          <a:solidFill>
-            <a:schemeClr val="phClr"/>
-          </a:solidFill>
-          <a:prstDash val="solid"/>
-          <a:miter lim="800000"/>
         </a:ln>
       </a:lnStyleLst>
       <a:effectStyleLst>
         <a:effectStyle>
-          <a:effectLst/>
-        </a:effectStyle>
-        <a:effectStyle>
-          <a:effectLst/>
+          <a:effectLst>
+            <a:outerShdw blurRad="40000" dist="20000" dir="5400000" rotWithShape="0">
+              <a:srgbClr val="000000">
+                <a:alpha val="38000"/>
+              </a:srgbClr>
+            </a:outerShdw>
+          </a:effectLst>
         </a:effectStyle>
         <a:effectStyle>
           <a:effectLst>
-            <a:outerShdw blurRad="57150" dist="19050" dir="5400000" algn="ctr" rotWithShape="0">
+            <a:outerShdw blurRad="40000" dist="23000" dir="5400000" rotWithShape="0">
               <a:srgbClr val="000000">
-                <a:alpha val="63000"/>
+                <a:alpha val="35000"/>
               </a:srgbClr>
             </a:outerShdw>
           </a:effectLst>
+        </a:effectStyle>
+        <a:effectStyle>
+          <a:effectLst>
+            <a:outerShdw blurRad="40000" dist="23000" dir="5400000" rotWithShape="0">
+              <a:srgbClr val="000000">
+                <a:alpha val="35000"/>
+              </a:srgbClr>
+            </a:outerShdw>
+          </a:effectLst>
+          <a:scene3d>
+            <a:camera prst="orthographicFront">
+              <a:rot lat="0" lon="0" rev="0"/>
+            </a:camera>
+            <a:lightRig rig="threePt" dir="t">
+              <a:rot lat="0" lon="0" rev="1200000"/>
+            </a:lightRig>
+          </a:scene3d>
+          <a:sp3d>
+            <a:bevelT w="63500" h="25400"/>
+          </a:sp3d>
         </a:effectStyle>
       </a:effectStyleLst>
       <a:bgFillStyleLst>
         <a:solidFill>
           <a:schemeClr val="phClr"/>
         </a:solidFill>
-        <a:solidFill>
-          <a:schemeClr val="phClr">
-            <a:tint val="95000"/>
-            <a:satMod val="170000"/>
-          </a:schemeClr>
-        </a:solidFill>
         <a:gradFill rotWithShape="1">
           <a:gsLst>
             <a:gs pos="0">
               <a:schemeClr val="phClr">
-                <a:tint val="93000"/>
-                <a:satMod val="150000"/>
-                <a:shade val="98000"/>
-                <a:lumMod val="102000"/>
+                <a:tint val="40000"/>
+                <a:satMod val="350000"/>
               </a:schemeClr>
             </a:gs>
-            <a:gs pos="50000">
+            <a:gs pos="40000">
               <a:schemeClr val="phClr">
-                <a:tint val="98000"/>
-                <a:satMod val="130000"/>
-                <a:shade val="90000"/>
-                <a:lumMod val="103000"/>
+                <a:tint val="45000"/>
+                <a:shade val="99000"/>
+                <a:satMod val="350000"/>
               </a:schemeClr>
             </a:gs>
             <a:gs pos="100000">
               <a:schemeClr val="phClr">
-                <a:shade val="63000"/>
-                <a:satMod val="120000"/>
+                <a:shade val="20000"/>
+                <a:satMod val="255000"/>
               </a:schemeClr>
             </a:gs>
           </a:gsLst>
-          <a:lin ang="5400000" scaled="0"/>
+          <a:path path="circle">
+            <a:fillToRect l="50000" t="-80000" r="50000" b="180000"/>
+          </a:path>
+        </a:gradFill>
+        <a:gradFill rotWithShape="1">
+          <a:gsLst>
+            <a:gs pos="0">
+              <a:schemeClr val="phClr">
+                <a:tint val="80000"/>
+                <a:satMod val="300000"/>
+              </a:schemeClr>
+            </a:gs>
+            <a:gs pos="100000">
+              <a:schemeClr val="phClr">
+                <a:shade val="30000"/>
+                <a:satMod val="200000"/>
+              </a:schemeClr>
+            </a:gs>
+          </a:gsLst>
+          <a:path path="circle">
+            <a:fillToRect l="50000" t="50000" r="50000" b="50000"/>
+          </a:path>
         </a:gradFill>
       </a:bgFillStyleLst>
     </a:fmtScheme>
   </a:themeElements>
   <a:objectDefaults/>
   <a:extraClrSchemeLst/>
-  <a:extLst>
-    <a:ext uri="{05A4C25C-085E-4340-85A3-A5531E510DB2}">
-      <thm15:themeFamily xmlns:thm15="http://schemas.microsoft.com/office/thememl/2012/main" name="Office Theme" id="{62F939B6-93AF-4DB8-9C6B-D6C7DFDC589F}" vid="{4A3C46E8-61CC-4603-A589-7422A47A8E4A}"/>
-    </a:ext>
-  </a:extLst>
 </a:theme>
 </file>